--- a/Utility/Presentation/Proposta progetto.pptx
+++ b/Utility/Presentation/Proposta progetto.pptx
@@ -2381,7 +2381,7 @@
           <a:p>
             <a:fld id="{EA0C0817-A112-4847-8014-A94B7D2A4EA3}" type="datetime1">
               <a:rPr lang="en-US" smtClean="0"/>
-              <a:t>12/21/21</a:t>
+              <a:t>6/26/22</a:t>
             </a:fld>
             <a:endParaRPr lang="en-US" dirty="0"/>
           </a:p>
@@ -2583,7 +2583,7 @@
           <a:p>
             <a:fld id="{134F40B7-36AB-4376-BE14-EF7004D79BB9}" type="datetime1">
               <a:rPr lang="en-US" smtClean="0"/>
-              <a:t>12/21/21</a:t>
+              <a:t>6/26/22</a:t>
             </a:fld>
             <a:endParaRPr lang="en-US"/>
           </a:p>
@@ -2763,7 +2763,7 @@
           <a:p>
             <a:fld id="{FF87CAB8-DCAE-46A5-AADA-B3FAD11A54E0}" type="datetime1">
               <a:rPr lang="en-US" smtClean="0"/>
-              <a:t>12/21/21</a:t>
+              <a:t>6/26/22</a:t>
             </a:fld>
             <a:endParaRPr lang="en-US"/>
           </a:p>
@@ -2933,7 +2933,7 @@
           <a:p>
             <a:fld id="{7332B432-ACDA-4023-A761-2BAB76577B62}" type="datetime1">
               <a:rPr lang="en-US" smtClean="0"/>
-              <a:t>12/21/21</a:t>
+              <a:t>6/26/22</a:t>
             </a:fld>
             <a:endParaRPr lang="en-US"/>
           </a:p>
@@ -3532,7 +3532,7 @@
           <a:p>
             <a:fld id="{D9C646AA-F36E-4540-911D-FFFC0A0EF24A}" type="datetime1">
               <a:rPr lang="en-US" smtClean="0"/>
-              <a:t>12/21/21</a:t>
+              <a:t>6/26/22</a:t>
             </a:fld>
             <a:endParaRPr lang="en-US" dirty="0"/>
           </a:p>
@@ -3852,7 +3852,7 @@
           <a:p>
             <a:fld id="{69186D26-FA5F-4637-B602-B7C2DC34CFD4}" type="datetime1">
               <a:rPr lang="en-US" smtClean="0"/>
-              <a:t>12/21/21</a:t>
+              <a:t>6/26/22</a:t>
             </a:fld>
             <a:endParaRPr lang="en-US"/>
           </a:p>
@@ -4287,7 +4287,7 @@
           <a:p>
             <a:fld id="{8A7F15D8-96D1-4781-BC50-CA8A088B2FE4}" type="datetime1">
               <a:rPr lang="en-US" smtClean="0"/>
-              <a:t>12/21/21</a:t>
+              <a:t>6/26/22</a:t>
             </a:fld>
             <a:endParaRPr lang="en-US"/>
           </a:p>
@@ -4405,7 +4405,7 @@
           <a:p>
             <a:fld id="{F9A96C99-B8F8-4528-BD05-0E16E943DC09}" type="datetime1">
               <a:rPr lang="en-US" smtClean="0"/>
-              <a:t>12/21/21</a:t>
+              <a:t>6/26/22</a:t>
             </a:fld>
             <a:endParaRPr lang="en-US"/>
           </a:p>
@@ -4500,7 +4500,7 @@
           <a:p>
             <a:fld id="{03636942-C211-4B28-8DBD-C953E00AF71B}" type="datetime1">
               <a:rPr lang="en-US" smtClean="0"/>
-              <a:t>12/21/21</a:t>
+              <a:t>6/26/22</a:t>
             </a:fld>
             <a:endParaRPr lang="en-US"/>
           </a:p>
@@ -4917,7 +4917,7 @@
           <a:p>
             <a:fld id="{7E8D12A6-918A-48BD-8CB9-CA713993B0EA}" type="datetime1">
               <a:rPr lang="en-US" smtClean="0"/>
-              <a:t>12/21/21</a:t>
+              <a:t>6/26/22</a:t>
             </a:fld>
             <a:endParaRPr lang="en-US"/>
           </a:p>
@@ -5179,7 +5179,7 @@
             <a:fld id="{E778CE86-875F-4587-BCF6-FA054AFC0D53}" type="datetime1">
               <a:rPr lang="en-US" smtClean="0"/>
               <a:pPr/>
-              <a:t>12/21/21</a:t>
+              <a:t>6/26/22</a:t>
             </a:fld>
             <a:endParaRPr lang="en-US" dirty="0"/>
           </a:p>
@@ -5701,7 +5701,7 @@
           <a:p>
             <a:fld id="{F6FA2B21-3FCD-4721-B95C-427943F61125}" type="datetime1">
               <a:rPr lang="en-US" smtClean="0"/>
-              <a:t>12/21/21</a:t>
+              <a:t>6/26/22</a:t>
             </a:fld>
             <a:endParaRPr lang="en-US"/>
           </a:p>
@@ -18311,6 +18311,1185 @@
           </a:p>
         </p:txBody>
       </p:sp>
+      <p:pic>
+        <p:nvPicPr>
+          <p:cNvPr id="10" name="Immagine 9" descr="Immagine che contiene freccia&#10;&#10;Descrizione generata automaticamente">
+            <a:extLst>
+              <a:ext uri="{FF2B5EF4-FFF2-40B4-BE49-F238E27FC236}">
+                <a16:creationId xmlns:a16="http://schemas.microsoft.com/office/drawing/2014/main" id="{2E2A1451-5D97-7B2B-E74E-05601C51CA09}"/>
+              </a:ext>
+            </a:extLst>
+          </p:cNvPr>
+          <p:cNvPicPr>
+            <a:picLocks noChangeAspect="1"/>
+          </p:cNvPicPr>
+          <p:nvPr/>
+        </p:nvPicPr>
+        <p:blipFill>
+          <a:blip r:embed="rId2">
+            <a:extLst>
+              <a:ext uri="{28A0092B-C50C-407E-A947-70E740481C1C}">
+                <a14:useLocalDpi xmlns:a14="http://schemas.microsoft.com/office/drawing/2010/main" val="0"/>
+              </a:ext>
+            </a:extLst>
+          </a:blip>
+          <a:stretch>
+            <a:fillRect/>
+          </a:stretch>
+        </p:blipFill>
+        <p:spPr>
+          <a:xfrm>
+            <a:off x="2106614" y="2675651"/>
+            <a:ext cx="1015278" cy="1015278"/>
+          </a:xfrm>
+          <a:prstGeom prst="rect">
+            <a:avLst/>
+          </a:prstGeom>
+        </p:spPr>
+      </p:pic>
+      <p:pic>
+        <p:nvPicPr>
+          <p:cNvPr id="11" name="Immagine 10">
+            <a:extLst>
+              <a:ext uri="{FF2B5EF4-FFF2-40B4-BE49-F238E27FC236}">
+                <a16:creationId xmlns:a16="http://schemas.microsoft.com/office/drawing/2014/main" id="{0ABD5D8B-61B4-85EE-35E7-0199C84589A8}"/>
+              </a:ext>
+            </a:extLst>
+          </p:cNvPr>
+          <p:cNvPicPr>
+            <a:picLocks noChangeAspect="1"/>
+          </p:cNvPicPr>
+          <p:nvPr/>
+        </p:nvPicPr>
+        <p:blipFill>
+          <a:blip r:embed="rId3">
+            <a:extLst>
+              <a:ext uri="{28A0092B-C50C-407E-A947-70E740481C1C}">
+                <a14:useLocalDpi xmlns:a14="http://schemas.microsoft.com/office/drawing/2010/main" val="0"/>
+              </a:ext>
+            </a:extLst>
+          </a:blip>
+          <a:stretch>
+            <a:fillRect/>
+          </a:stretch>
+        </p:blipFill>
+        <p:spPr>
+          <a:xfrm>
+            <a:off x="8168295" y="2675651"/>
+            <a:ext cx="1015279" cy="1015279"/>
+          </a:xfrm>
+          <a:prstGeom prst="rect">
+            <a:avLst/>
+          </a:prstGeom>
+        </p:spPr>
+      </p:pic>
+      <p:pic>
+        <p:nvPicPr>
+          <p:cNvPr id="3" name="Immagine 2">
+            <a:extLst>
+              <a:ext uri="{FF2B5EF4-FFF2-40B4-BE49-F238E27FC236}">
+                <a16:creationId xmlns:a16="http://schemas.microsoft.com/office/drawing/2014/main" id="{71D93DB7-6B69-4FBB-4AC5-46714610E7A4}"/>
+              </a:ext>
+            </a:extLst>
+          </p:cNvPr>
+          <p:cNvPicPr>
+            <a:picLocks noChangeAspect="1"/>
+          </p:cNvPicPr>
+          <p:nvPr/>
+        </p:nvPicPr>
+        <p:blipFill>
+          <a:blip r:embed="rId4">
+            <a:extLst>
+              <a:ext uri="{28A0092B-C50C-407E-A947-70E740481C1C}">
+                <a14:useLocalDpi xmlns:a14="http://schemas.microsoft.com/office/drawing/2010/main" val="0"/>
+              </a:ext>
+            </a:extLst>
+          </a:blip>
+          <a:stretch>
+            <a:fillRect/>
+          </a:stretch>
+        </p:blipFill>
+        <p:spPr>
+          <a:xfrm>
+            <a:off x="2106682" y="678139"/>
+            <a:ext cx="1015143" cy="950894"/>
+          </a:xfrm>
+          <a:prstGeom prst="rect">
+            <a:avLst/>
+          </a:prstGeom>
+        </p:spPr>
+      </p:pic>
+      <p:pic>
+        <p:nvPicPr>
+          <p:cNvPr id="5" name="Immagine 4">
+            <a:extLst>
+              <a:ext uri="{FF2B5EF4-FFF2-40B4-BE49-F238E27FC236}">
+                <a16:creationId xmlns:a16="http://schemas.microsoft.com/office/drawing/2014/main" id="{E1D804DE-EFEB-51A2-629A-D320671B6BE9}"/>
+              </a:ext>
+            </a:extLst>
+          </p:cNvPr>
+          <p:cNvPicPr>
+            <a:picLocks noChangeAspect="1"/>
+          </p:cNvPicPr>
+          <p:nvPr/>
+        </p:nvPicPr>
+        <p:blipFill>
+          <a:blip r:embed="rId5">
+            <a:extLst>
+              <a:ext uri="{28A0092B-C50C-407E-A947-70E740481C1C}">
+                <a14:useLocalDpi xmlns:a14="http://schemas.microsoft.com/office/drawing/2010/main" val="0"/>
+              </a:ext>
+            </a:extLst>
+          </a:blip>
+          <a:stretch>
+            <a:fillRect/>
+          </a:stretch>
+        </p:blipFill>
+        <p:spPr>
+          <a:xfrm>
+            <a:off x="6395132" y="2675651"/>
+            <a:ext cx="1028936" cy="1015278"/>
+          </a:xfrm>
+          <a:prstGeom prst="rect">
+            <a:avLst/>
+          </a:prstGeom>
+        </p:spPr>
+      </p:pic>
+      <p:sp>
+        <p:nvSpPr>
+          <p:cNvPr id="6" name="CasellaDiTesto 5">
+            <a:extLst>
+              <a:ext uri="{FF2B5EF4-FFF2-40B4-BE49-F238E27FC236}">
+                <a16:creationId xmlns:a16="http://schemas.microsoft.com/office/drawing/2014/main" id="{5A12831D-B5B1-1D8D-D115-DD0EDA677A99}"/>
+              </a:ext>
+            </a:extLst>
+          </p:cNvPr>
+          <p:cNvSpPr txBox="1"/>
+          <p:nvPr/>
+        </p:nvSpPr>
+        <p:spPr>
+          <a:xfrm>
+            <a:off x="2060781" y="3774785"/>
+            <a:ext cx="1106944" cy="307777"/>
+          </a:xfrm>
+          <a:prstGeom prst="rect">
+            <a:avLst/>
+          </a:prstGeom>
+          <a:noFill/>
+        </p:spPr>
+        <p:txBody>
+          <a:bodyPr wrap="square" rtlCol="0">
+            <a:spAutoFit/>
+          </a:bodyPr>
+          <a:lstStyle/>
+          <a:p>
+            <a:r>
+              <a:rPr lang="en-GB" sz="1400" dirty="0">
+                <a:solidFill>
+                  <a:schemeClr val="bg1"/>
+                </a:solidFill>
+                <a:latin typeface="Avenir Next" panose="020B0503020202020204" pitchFamily="34" charset="0"/>
+              </a:rPr>
+              <a:t>Processing</a:t>
+            </a:r>
+          </a:p>
+        </p:txBody>
+      </p:sp>
+      <p:sp>
+        <p:nvSpPr>
+          <p:cNvPr id="17" name="CasellaDiTesto 16">
+            <a:extLst>
+              <a:ext uri="{FF2B5EF4-FFF2-40B4-BE49-F238E27FC236}">
+                <a16:creationId xmlns:a16="http://schemas.microsoft.com/office/drawing/2014/main" id="{AC9C91D2-99EB-51EB-077E-4B267BCA10EB}"/>
+              </a:ext>
+            </a:extLst>
+          </p:cNvPr>
+          <p:cNvSpPr txBox="1"/>
+          <p:nvPr/>
+        </p:nvSpPr>
+        <p:spPr>
+          <a:xfrm>
+            <a:off x="2175098" y="1717717"/>
+            <a:ext cx="878311" cy="307777"/>
+          </a:xfrm>
+          <a:prstGeom prst="rect">
+            <a:avLst/>
+          </a:prstGeom>
+          <a:noFill/>
+        </p:spPr>
+        <p:txBody>
+          <a:bodyPr wrap="square" rtlCol="0">
+            <a:spAutoFit/>
+          </a:bodyPr>
+          <a:lstStyle/>
+          <a:p>
+            <a:r>
+              <a:rPr lang="en-GB" sz="1400" dirty="0">
+                <a:solidFill>
+                  <a:schemeClr val="bg1"/>
+                </a:solidFill>
+                <a:latin typeface="Avenir Next" panose="020B0503020202020204" pitchFamily="34" charset="0"/>
+              </a:rPr>
+              <a:t>GyrOSC</a:t>
+            </a:r>
+          </a:p>
+        </p:txBody>
+      </p:sp>
+      <p:sp>
+        <p:nvSpPr>
+          <p:cNvPr id="18" name="CasellaDiTesto 17">
+            <a:extLst>
+              <a:ext uri="{FF2B5EF4-FFF2-40B4-BE49-F238E27FC236}">
+                <a16:creationId xmlns:a16="http://schemas.microsoft.com/office/drawing/2014/main" id="{A1CB7AE1-8E7E-AD7E-E504-1F9D506F3022}"/>
+              </a:ext>
+            </a:extLst>
+          </p:cNvPr>
+          <p:cNvSpPr txBox="1"/>
+          <p:nvPr/>
+        </p:nvSpPr>
+        <p:spPr>
+          <a:xfrm>
+            <a:off x="6444827" y="3874132"/>
+            <a:ext cx="989237" cy="307777"/>
+          </a:xfrm>
+          <a:prstGeom prst="rect">
+            <a:avLst/>
+          </a:prstGeom>
+          <a:noFill/>
+        </p:spPr>
+        <p:txBody>
+          <a:bodyPr wrap="square" rtlCol="0">
+            <a:spAutoFit/>
+          </a:bodyPr>
+          <a:lstStyle/>
+          <a:p>
+            <a:r>
+              <a:rPr lang="en-GB" sz="1400" dirty="0">
+                <a:solidFill>
+                  <a:schemeClr val="bg1"/>
+                </a:solidFill>
+                <a:latin typeface="Avenir Next" panose="020B0503020202020204" pitchFamily="34" charset="0"/>
+              </a:rPr>
+              <a:t>Max4Live</a:t>
+            </a:r>
+          </a:p>
+        </p:txBody>
+      </p:sp>
+      <p:sp>
+        <p:nvSpPr>
+          <p:cNvPr id="19" name="CasellaDiTesto 18">
+            <a:extLst>
+              <a:ext uri="{FF2B5EF4-FFF2-40B4-BE49-F238E27FC236}">
+                <a16:creationId xmlns:a16="http://schemas.microsoft.com/office/drawing/2014/main" id="{C37C796C-0B24-535D-69B5-3B2973A5DD9B}"/>
+              </a:ext>
+            </a:extLst>
+          </p:cNvPr>
+          <p:cNvSpPr txBox="1"/>
+          <p:nvPr/>
+        </p:nvSpPr>
+        <p:spPr>
+          <a:xfrm>
+            <a:off x="8042726" y="3874132"/>
+            <a:ext cx="1266417" cy="307777"/>
+          </a:xfrm>
+          <a:prstGeom prst="rect">
+            <a:avLst/>
+          </a:prstGeom>
+          <a:noFill/>
+        </p:spPr>
+        <p:txBody>
+          <a:bodyPr wrap="square" rtlCol="0">
+            <a:spAutoFit/>
+          </a:bodyPr>
+          <a:lstStyle/>
+          <a:p>
+            <a:r>
+              <a:rPr lang="en-GB" sz="1400" dirty="0">
+                <a:solidFill>
+                  <a:schemeClr val="bg1"/>
+                </a:solidFill>
+                <a:latin typeface="Avenir Next" panose="020B0503020202020204" pitchFamily="34" charset="0"/>
+              </a:rPr>
+              <a:t>Ableton Live</a:t>
+            </a:r>
+          </a:p>
+        </p:txBody>
+      </p:sp>
+      <p:sp>
+        <p:nvSpPr>
+          <p:cNvPr id="20" name="CasellaDiTesto 19">
+            <a:extLst>
+              <a:ext uri="{FF2B5EF4-FFF2-40B4-BE49-F238E27FC236}">
+                <a16:creationId xmlns:a16="http://schemas.microsoft.com/office/drawing/2014/main" id="{75A8DF80-AE7D-51F6-C820-13E4434B6013}"/>
+              </a:ext>
+            </a:extLst>
+          </p:cNvPr>
+          <p:cNvSpPr txBox="1"/>
+          <p:nvPr/>
+        </p:nvSpPr>
+        <p:spPr>
+          <a:xfrm>
+            <a:off x="693278" y="876148"/>
+            <a:ext cx="1106944" cy="523220"/>
+          </a:xfrm>
+          <a:prstGeom prst="rect">
+            <a:avLst/>
+          </a:prstGeom>
+          <a:noFill/>
+        </p:spPr>
+        <p:txBody>
+          <a:bodyPr wrap="square" rtlCol="0">
+            <a:spAutoFit/>
+          </a:bodyPr>
+          <a:lstStyle/>
+          <a:p>
+            <a:r>
+              <a:rPr lang="en-GB" sz="1400" dirty="0">
+                <a:solidFill>
+                  <a:schemeClr val="bg1"/>
+                </a:solidFill>
+                <a:latin typeface="Avenir Next" panose="020B0503020202020204" pitchFamily="34" charset="0"/>
+              </a:rPr>
+              <a:t>User’s interaction</a:t>
+            </a:r>
+          </a:p>
+        </p:txBody>
+      </p:sp>
+      <p:sp>
+        <p:nvSpPr>
+          <p:cNvPr id="23" name="CasellaDiTesto 22">
+            <a:extLst>
+              <a:ext uri="{FF2B5EF4-FFF2-40B4-BE49-F238E27FC236}">
+                <a16:creationId xmlns:a16="http://schemas.microsoft.com/office/drawing/2014/main" id="{727984E6-A6AD-6A96-E9CE-BEE7D0419F8F}"/>
+              </a:ext>
+            </a:extLst>
+          </p:cNvPr>
+          <p:cNvSpPr txBox="1"/>
+          <p:nvPr/>
+        </p:nvSpPr>
+        <p:spPr>
+          <a:xfrm>
+            <a:off x="2068314" y="5211814"/>
+            <a:ext cx="1106944" cy="307777"/>
+          </a:xfrm>
+          <a:prstGeom prst="rect">
+            <a:avLst/>
+          </a:prstGeom>
+          <a:noFill/>
+        </p:spPr>
+        <p:txBody>
+          <a:bodyPr wrap="square" rtlCol="0">
+            <a:spAutoFit/>
+          </a:bodyPr>
+          <a:lstStyle/>
+          <a:p>
+            <a:r>
+              <a:rPr lang="en-GB" sz="1400" dirty="0">
+                <a:solidFill>
+                  <a:schemeClr val="bg1"/>
+                </a:solidFill>
+                <a:latin typeface="Avenir Next" panose="020B0503020202020204" pitchFamily="34" charset="0"/>
+              </a:rPr>
+              <a:t>Video Out</a:t>
+            </a:r>
+          </a:p>
+        </p:txBody>
+      </p:sp>
+      <p:sp>
+        <p:nvSpPr>
+          <p:cNvPr id="24" name="CasellaDiTesto 23">
+            <a:extLst>
+              <a:ext uri="{FF2B5EF4-FFF2-40B4-BE49-F238E27FC236}">
+                <a16:creationId xmlns:a16="http://schemas.microsoft.com/office/drawing/2014/main" id="{6F73E9EF-16CD-3F6B-684D-502089E2254C}"/>
+              </a:ext>
+            </a:extLst>
+          </p:cNvPr>
+          <p:cNvSpPr txBox="1"/>
+          <p:nvPr/>
+        </p:nvSpPr>
+        <p:spPr>
+          <a:xfrm>
+            <a:off x="8122462" y="5158496"/>
+            <a:ext cx="1106944" cy="307777"/>
+          </a:xfrm>
+          <a:prstGeom prst="rect">
+            <a:avLst/>
+          </a:prstGeom>
+          <a:noFill/>
+        </p:spPr>
+        <p:txBody>
+          <a:bodyPr wrap="square" rtlCol="0">
+            <a:spAutoFit/>
+          </a:bodyPr>
+          <a:lstStyle/>
+          <a:p>
+            <a:r>
+              <a:rPr lang="en-GB" sz="1400" dirty="0">
+                <a:solidFill>
+                  <a:schemeClr val="bg1"/>
+                </a:solidFill>
+                <a:latin typeface="Avenir Next" panose="020B0503020202020204" pitchFamily="34" charset="0"/>
+              </a:rPr>
+              <a:t>Audio Out</a:t>
+            </a:r>
+          </a:p>
+        </p:txBody>
+      </p:sp>
+      <p:sp>
+        <p:nvSpPr>
+          <p:cNvPr id="25" name="CasellaDiTesto 24">
+            <a:extLst>
+              <a:ext uri="{FF2B5EF4-FFF2-40B4-BE49-F238E27FC236}">
+                <a16:creationId xmlns:a16="http://schemas.microsoft.com/office/drawing/2014/main" id="{39B8E9D7-3AA9-651B-6DF8-E80FAEC87193}"/>
+              </a:ext>
+            </a:extLst>
+          </p:cNvPr>
+          <p:cNvSpPr txBox="1"/>
+          <p:nvPr/>
+        </p:nvSpPr>
+        <p:spPr>
+          <a:xfrm>
+            <a:off x="8122462" y="1466275"/>
+            <a:ext cx="1106944" cy="523220"/>
+          </a:xfrm>
+          <a:prstGeom prst="rect">
+            <a:avLst/>
+          </a:prstGeom>
+          <a:noFill/>
+        </p:spPr>
+        <p:txBody>
+          <a:bodyPr wrap="square" rtlCol="0">
+            <a:spAutoFit/>
+          </a:bodyPr>
+          <a:lstStyle/>
+          <a:p>
+            <a:pPr algn="ctr"/>
+            <a:r>
+              <a:rPr lang="en-GB" sz="1400" dirty="0">
+                <a:solidFill>
+                  <a:schemeClr val="bg1"/>
+                </a:solidFill>
+                <a:latin typeface="Avenir Next" panose="020B0503020202020204" pitchFamily="34" charset="0"/>
+              </a:rPr>
+              <a:t>Auxiliary Audio Out</a:t>
+            </a:r>
+          </a:p>
+        </p:txBody>
+      </p:sp>
+      <p:sp>
+        <p:nvSpPr>
+          <p:cNvPr id="7" name="Freccia destra 6">
+            <a:extLst>
+              <a:ext uri="{FF2B5EF4-FFF2-40B4-BE49-F238E27FC236}">
+                <a16:creationId xmlns:a16="http://schemas.microsoft.com/office/drawing/2014/main" id="{C59C19DC-4E6A-456B-8D0A-F0062CCD44DF}"/>
+              </a:ext>
+            </a:extLst>
+          </p:cNvPr>
+          <p:cNvSpPr/>
+          <p:nvPr/>
+        </p:nvSpPr>
+        <p:spPr>
+          <a:xfrm>
+            <a:off x="3409122" y="3105161"/>
+            <a:ext cx="2782956" cy="156258"/>
+          </a:xfrm>
+          <a:prstGeom prst="rightArrow">
+            <a:avLst/>
+          </a:prstGeom>
+          <a:solidFill>
+            <a:srgbClr val="92D050"/>
+          </a:solidFill>
+        </p:spPr>
+        <p:style>
+          <a:lnRef idx="2">
+            <a:schemeClr val="accent1">
+              <a:shade val="50000"/>
+            </a:schemeClr>
+          </a:lnRef>
+          <a:fillRef idx="1">
+            <a:schemeClr val="accent1"/>
+          </a:fillRef>
+          <a:effectRef idx="0">
+            <a:schemeClr val="accent1"/>
+          </a:effectRef>
+          <a:fontRef idx="minor">
+            <a:schemeClr val="lt1"/>
+          </a:fontRef>
+        </p:style>
+        <p:txBody>
+          <a:bodyPr rtlCol="0" anchor="ctr"/>
+          <a:lstStyle/>
+          <a:p>
+            <a:pPr algn="ctr"/>
+            <a:endParaRPr lang="en-GB"/>
+          </a:p>
+        </p:txBody>
+      </p:sp>
+      <p:sp>
+        <p:nvSpPr>
+          <p:cNvPr id="26" name="Freccia destra 25">
+            <a:extLst>
+              <a:ext uri="{FF2B5EF4-FFF2-40B4-BE49-F238E27FC236}">
+                <a16:creationId xmlns:a16="http://schemas.microsoft.com/office/drawing/2014/main" id="{B482E4C0-49E4-0E6E-C93C-532A4E833674}"/>
+              </a:ext>
+            </a:extLst>
+          </p:cNvPr>
+          <p:cNvSpPr/>
+          <p:nvPr/>
+        </p:nvSpPr>
+        <p:spPr>
+          <a:xfrm>
+            <a:off x="7544389" y="3112781"/>
+            <a:ext cx="553278" cy="141018"/>
+          </a:xfrm>
+          <a:prstGeom prst="rightArrow">
+            <a:avLst/>
+          </a:prstGeom>
+        </p:spPr>
+        <p:style>
+          <a:lnRef idx="2">
+            <a:schemeClr val="accent1">
+              <a:shade val="50000"/>
+            </a:schemeClr>
+          </a:lnRef>
+          <a:fillRef idx="1">
+            <a:schemeClr val="accent1"/>
+          </a:fillRef>
+          <a:effectRef idx="0">
+            <a:schemeClr val="accent1"/>
+          </a:effectRef>
+          <a:fontRef idx="minor">
+            <a:schemeClr val="lt1"/>
+          </a:fontRef>
+        </p:style>
+        <p:txBody>
+          <a:bodyPr rtlCol="0" anchor="ctr"/>
+          <a:lstStyle/>
+          <a:p>
+            <a:pPr algn="ctr"/>
+            <a:endParaRPr lang="en-GB"/>
+          </a:p>
+        </p:txBody>
+      </p:sp>
+      <p:sp>
+        <p:nvSpPr>
+          <p:cNvPr id="8" name="Freccia giù 7">
+            <a:extLst>
+              <a:ext uri="{FF2B5EF4-FFF2-40B4-BE49-F238E27FC236}">
+                <a16:creationId xmlns:a16="http://schemas.microsoft.com/office/drawing/2014/main" id="{BA970248-4B16-76A3-906C-319203CB0B4C}"/>
+              </a:ext>
+            </a:extLst>
+          </p:cNvPr>
+          <p:cNvSpPr/>
+          <p:nvPr/>
+        </p:nvSpPr>
+        <p:spPr>
+          <a:xfrm>
+            <a:off x="2515391" y="4181909"/>
+            <a:ext cx="197724" cy="981642"/>
+          </a:xfrm>
+          <a:prstGeom prst="downArrow">
+            <a:avLst/>
+          </a:prstGeom>
+          <a:solidFill>
+            <a:srgbClr val="FFC000"/>
+          </a:solidFill>
+        </p:spPr>
+        <p:style>
+          <a:lnRef idx="2">
+            <a:schemeClr val="accent1">
+              <a:shade val="50000"/>
+            </a:schemeClr>
+          </a:lnRef>
+          <a:fillRef idx="1">
+            <a:schemeClr val="accent1"/>
+          </a:fillRef>
+          <a:effectRef idx="0">
+            <a:schemeClr val="accent1"/>
+          </a:effectRef>
+          <a:fontRef idx="minor">
+            <a:schemeClr val="lt1"/>
+          </a:fontRef>
+        </p:style>
+        <p:txBody>
+          <a:bodyPr rtlCol="0" anchor="ctr"/>
+          <a:lstStyle/>
+          <a:p>
+            <a:pPr algn="ctr"/>
+            <a:endParaRPr lang="en-GB"/>
+          </a:p>
+        </p:txBody>
+      </p:sp>
+      <p:sp>
+        <p:nvSpPr>
+          <p:cNvPr id="9" name="Freccia giù 8">
+            <a:extLst>
+              <a:ext uri="{FF2B5EF4-FFF2-40B4-BE49-F238E27FC236}">
+                <a16:creationId xmlns:a16="http://schemas.microsoft.com/office/drawing/2014/main" id="{FD384799-2071-AD2A-5A40-5ABC8150ED8D}"/>
+              </a:ext>
+            </a:extLst>
+          </p:cNvPr>
+          <p:cNvSpPr/>
+          <p:nvPr/>
+        </p:nvSpPr>
+        <p:spPr>
+          <a:xfrm>
+            <a:off x="2515391" y="2099299"/>
+            <a:ext cx="197724" cy="492498"/>
+          </a:xfrm>
+          <a:prstGeom prst="downArrow">
+            <a:avLst/>
+          </a:prstGeom>
+          <a:solidFill>
+            <a:srgbClr val="92D050"/>
+          </a:solidFill>
+        </p:spPr>
+        <p:style>
+          <a:lnRef idx="2">
+            <a:schemeClr val="accent1">
+              <a:shade val="50000"/>
+            </a:schemeClr>
+          </a:lnRef>
+          <a:fillRef idx="1">
+            <a:schemeClr val="accent1"/>
+          </a:fillRef>
+          <a:effectRef idx="0">
+            <a:schemeClr val="accent1"/>
+          </a:effectRef>
+          <a:fontRef idx="minor">
+            <a:schemeClr val="lt1"/>
+          </a:fontRef>
+        </p:style>
+        <p:txBody>
+          <a:bodyPr rtlCol="0" anchor="ctr"/>
+          <a:lstStyle/>
+          <a:p>
+            <a:pPr algn="ctr"/>
+            <a:endParaRPr lang="en-GB">
+              <a:solidFill>
+                <a:srgbClr val="92D050"/>
+              </a:solidFill>
+            </a:endParaRPr>
+          </a:p>
+        </p:txBody>
+      </p:sp>
+      <p:sp>
+        <p:nvSpPr>
+          <p:cNvPr id="12" name="Freccia giù 11">
+            <a:extLst>
+              <a:ext uri="{FF2B5EF4-FFF2-40B4-BE49-F238E27FC236}">
+                <a16:creationId xmlns:a16="http://schemas.microsoft.com/office/drawing/2014/main" id="{FA5056BC-823C-E53B-6DF9-6BAF9804614B}"/>
+              </a:ext>
+            </a:extLst>
+          </p:cNvPr>
+          <p:cNvSpPr/>
+          <p:nvPr/>
+        </p:nvSpPr>
+        <p:spPr>
+          <a:xfrm flipV="1">
+            <a:off x="8581795" y="2104597"/>
+            <a:ext cx="188278" cy="470978"/>
+          </a:xfrm>
+          <a:prstGeom prst="downArrow">
+            <a:avLst/>
+          </a:prstGeom>
+          <a:solidFill>
+            <a:srgbClr val="00B0F0"/>
+          </a:solidFill>
+        </p:spPr>
+        <p:style>
+          <a:lnRef idx="2">
+            <a:schemeClr val="accent1">
+              <a:shade val="50000"/>
+            </a:schemeClr>
+          </a:lnRef>
+          <a:fillRef idx="1">
+            <a:schemeClr val="accent1"/>
+          </a:fillRef>
+          <a:effectRef idx="0">
+            <a:schemeClr val="accent1"/>
+          </a:effectRef>
+          <a:fontRef idx="minor">
+            <a:schemeClr val="lt1"/>
+          </a:fontRef>
+        </p:style>
+        <p:txBody>
+          <a:bodyPr rtlCol="0" anchor="ctr"/>
+          <a:lstStyle/>
+          <a:p>
+            <a:pPr algn="ctr"/>
+            <a:endParaRPr lang="en-GB"/>
+          </a:p>
+        </p:txBody>
+      </p:sp>
+      <p:sp>
+        <p:nvSpPr>
+          <p:cNvPr id="28" name="Freccia giù 27">
+            <a:extLst>
+              <a:ext uri="{FF2B5EF4-FFF2-40B4-BE49-F238E27FC236}">
+                <a16:creationId xmlns:a16="http://schemas.microsoft.com/office/drawing/2014/main" id="{81A3E610-0E0C-1E88-D570-2C7650CCFB10}"/>
+              </a:ext>
+            </a:extLst>
+          </p:cNvPr>
+          <p:cNvSpPr/>
+          <p:nvPr/>
+        </p:nvSpPr>
+        <p:spPr>
+          <a:xfrm>
+            <a:off x="8577072" y="4176854"/>
+            <a:ext cx="197724" cy="981642"/>
+          </a:xfrm>
+          <a:prstGeom prst="downArrow">
+            <a:avLst/>
+          </a:prstGeom>
+          <a:solidFill>
+            <a:srgbClr val="00B0F0"/>
+          </a:solidFill>
+        </p:spPr>
+        <p:style>
+          <a:lnRef idx="2">
+            <a:schemeClr val="accent1">
+              <a:shade val="50000"/>
+            </a:schemeClr>
+          </a:lnRef>
+          <a:fillRef idx="1">
+            <a:schemeClr val="accent1"/>
+          </a:fillRef>
+          <a:effectRef idx="0">
+            <a:schemeClr val="accent1"/>
+          </a:effectRef>
+          <a:fontRef idx="minor">
+            <a:schemeClr val="lt1"/>
+          </a:fontRef>
+        </p:style>
+        <p:txBody>
+          <a:bodyPr rtlCol="0" anchor="ctr"/>
+          <a:lstStyle/>
+          <a:p>
+            <a:pPr algn="ctr"/>
+            <a:endParaRPr lang="en-GB"/>
+          </a:p>
+        </p:txBody>
+      </p:sp>
+      <p:sp>
+        <p:nvSpPr>
+          <p:cNvPr id="14" name="Freccia curva 13">
+            <a:extLst>
+              <a:ext uri="{FF2B5EF4-FFF2-40B4-BE49-F238E27FC236}">
+                <a16:creationId xmlns:a16="http://schemas.microsoft.com/office/drawing/2014/main" id="{CB4FBECF-6B34-1CF6-5EFD-2151BB6878C1}"/>
+              </a:ext>
+            </a:extLst>
+          </p:cNvPr>
+          <p:cNvSpPr/>
+          <p:nvPr/>
+        </p:nvSpPr>
+        <p:spPr>
+          <a:xfrm rot="5400000" flipV="1">
+            <a:off x="5099521" y="-431146"/>
+            <a:ext cx="724115" cy="5321768"/>
+          </a:xfrm>
+          <a:prstGeom prst="bentArrow">
+            <a:avLst>
+              <a:gd name="adj1" fmla="val 12146"/>
+              <a:gd name="adj2" fmla="val 17156"/>
+              <a:gd name="adj3" fmla="val 22059"/>
+              <a:gd name="adj4" fmla="val 37976"/>
+            </a:avLst>
+          </a:prstGeom>
+          <a:solidFill>
+            <a:srgbClr val="00B0F0"/>
+          </a:solidFill>
+        </p:spPr>
+        <p:style>
+          <a:lnRef idx="2">
+            <a:schemeClr val="accent1">
+              <a:shade val="50000"/>
+            </a:schemeClr>
+          </a:lnRef>
+          <a:fillRef idx="1">
+            <a:schemeClr val="accent1"/>
+          </a:fillRef>
+          <a:effectRef idx="0">
+            <a:schemeClr val="accent1"/>
+          </a:effectRef>
+          <a:fontRef idx="minor">
+            <a:schemeClr val="lt1"/>
+          </a:fontRef>
+        </p:style>
+        <p:txBody>
+          <a:bodyPr rtlCol="0" anchor="ctr"/>
+          <a:lstStyle/>
+          <a:p>
+            <a:pPr algn="ctr"/>
+            <a:endParaRPr lang="en-GB">
+              <a:solidFill>
+                <a:schemeClr val="tx1"/>
+              </a:solidFill>
+            </a:endParaRPr>
+          </a:p>
+        </p:txBody>
+      </p:sp>
+      <p:sp>
+        <p:nvSpPr>
+          <p:cNvPr id="33" name="CasellaDiTesto 32">
+            <a:extLst>
+              <a:ext uri="{FF2B5EF4-FFF2-40B4-BE49-F238E27FC236}">
+                <a16:creationId xmlns:a16="http://schemas.microsoft.com/office/drawing/2014/main" id="{7EB25A6A-7646-4FBD-61F1-A5BB10944DDD}"/>
+              </a:ext>
+            </a:extLst>
+          </p:cNvPr>
+          <p:cNvSpPr txBox="1"/>
+          <p:nvPr/>
+        </p:nvSpPr>
+        <p:spPr>
+          <a:xfrm>
+            <a:off x="1145180" y="5765019"/>
+            <a:ext cx="8038394" cy="400110"/>
+          </a:xfrm>
+          <a:prstGeom prst="rect">
+            <a:avLst/>
+          </a:prstGeom>
+          <a:noFill/>
+          <a:ln>
+            <a:solidFill>
+              <a:schemeClr val="accent1">
+                <a:shade val="50000"/>
+              </a:schemeClr>
+            </a:solidFill>
+          </a:ln>
+        </p:spPr>
+        <p:txBody>
+          <a:bodyPr wrap="square" rtlCol="0">
+            <a:spAutoFit/>
+          </a:bodyPr>
+          <a:lstStyle/>
+          <a:p>
+            <a:pPr algn="ctr"/>
+            <a:r>
+              <a:rPr lang="en-GB" sz="2000" dirty="0">
+                <a:solidFill>
+                  <a:schemeClr val="bg1"/>
+                </a:solidFill>
+                <a:latin typeface="Avenir Next" panose="020B0503020202020204" pitchFamily="34" charset="0"/>
+              </a:rPr>
+              <a:t>Perception</a:t>
+            </a:r>
+          </a:p>
+        </p:txBody>
+      </p:sp>
+      <p:sp>
+        <p:nvSpPr>
+          <p:cNvPr id="27" name="Freccia giù 26">
+            <a:extLst>
+              <a:ext uri="{FF2B5EF4-FFF2-40B4-BE49-F238E27FC236}">
+                <a16:creationId xmlns:a16="http://schemas.microsoft.com/office/drawing/2014/main" id="{37C92005-9E30-8FDF-4C90-42730AF7A49F}"/>
+              </a:ext>
+            </a:extLst>
+          </p:cNvPr>
+          <p:cNvSpPr/>
+          <p:nvPr/>
+        </p:nvSpPr>
+        <p:spPr>
+          <a:xfrm>
+            <a:off x="1145180" y="1466275"/>
+            <a:ext cx="197725" cy="3988258"/>
+          </a:xfrm>
+          <a:prstGeom prst="downArrow">
+            <a:avLst/>
+          </a:prstGeom>
+        </p:spPr>
+        <p:style>
+          <a:lnRef idx="2">
+            <a:schemeClr val="accent1">
+              <a:shade val="50000"/>
+            </a:schemeClr>
+          </a:lnRef>
+          <a:fillRef idx="1">
+            <a:schemeClr val="accent1"/>
+          </a:fillRef>
+          <a:effectRef idx="0">
+            <a:schemeClr val="accent1"/>
+          </a:effectRef>
+          <a:fontRef idx="minor">
+            <a:schemeClr val="lt1"/>
+          </a:fontRef>
+        </p:style>
+        <p:txBody>
+          <a:bodyPr rtlCol="0" anchor="ctr"/>
+          <a:lstStyle/>
+          <a:p>
+            <a:pPr algn="ctr"/>
+            <a:endParaRPr lang="en-GB"/>
+          </a:p>
+        </p:txBody>
+      </p:sp>
+      <p:sp>
+        <p:nvSpPr>
+          <p:cNvPr id="29" name="Rettangolo 28">
+            <a:extLst>
+              <a:ext uri="{FF2B5EF4-FFF2-40B4-BE49-F238E27FC236}">
+                <a16:creationId xmlns:a16="http://schemas.microsoft.com/office/drawing/2014/main" id="{FEC45E70-8286-FD32-77FB-6D62DD5186EF}"/>
+              </a:ext>
+            </a:extLst>
+          </p:cNvPr>
+          <p:cNvSpPr/>
+          <p:nvPr/>
+        </p:nvSpPr>
+        <p:spPr>
+          <a:xfrm>
+            <a:off x="9892519" y="1523080"/>
+            <a:ext cx="288919" cy="251442"/>
+          </a:xfrm>
+          <a:prstGeom prst="rect">
+            <a:avLst/>
+          </a:prstGeom>
+          <a:solidFill>
+            <a:srgbClr val="92D050"/>
+          </a:solidFill>
+        </p:spPr>
+        <p:style>
+          <a:lnRef idx="2">
+            <a:schemeClr val="accent1">
+              <a:shade val="50000"/>
+            </a:schemeClr>
+          </a:lnRef>
+          <a:fillRef idx="1">
+            <a:schemeClr val="accent1"/>
+          </a:fillRef>
+          <a:effectRef idx="0">
+            <a:schemeClr val="accent1"/>
+          </a:effectRef>
+          <a:fontRef idx="minor">
+            <a:schemeClr val="lt1"/>
+          </a:fontRef>
+        </p:style>
+        <p:txBody>
+          <a:bodyPr rtlCol="0" anchor="ctr"/>
+          <a:lstStyle/>
+          <a:p>
+            <a:pPr algn="ctr"/>
+            <a:endParaRPr lang="en-GB"/>
+          </a:p>
+        </p:txBody>
+      </p:sp>
+      <p:sp>
+        <p:nvSpPr>
+          <p:cNvPr id="36" name="Rettangolo 35">
+            <a:extLst>
+              <a:ext uri="{FF2B5EF4-FFF2-40B4-BE49-F238E27FC236}">
+                <a16:creationId xmlns:a16="http://schemas.microsoft.com/office/drawing/2014/main" id="{9406BD81-8457-6F60-9BEF-9F61342684D1}"/>
+              </a:ext>
+            </a:extLst>
+          </p:cNvPr>
+          <p:cNvSpPr/>
+          <p:nvPr/>
+        </p:nvSpPr>
+        <p:spPr>
+          <a:xfrm>
+            <a:off x="9892519" y="1977623"/>
+            <a:ext cx="288919" cy="251442"/>
+          </a:xfrm>
+          <a:prstGeom prst="rect">
+            <a:avLst/>
+          </a:prstGeom>
+          <a:solidFill>
+            <a:srgbClr val="00B0F0"/>
+          </a:solidFill>
+        </p:spPr>
+        <p:style>
+          <a:lnRef idx="2">
+            <a:schemeClr val="accent1">
+              <a:shade val="50000"/>
+            </a:schemeClr>
+          </a:lnRef>
+          <a:fillRef idx="1">
+            <a:schemeClr val="accent1"/>
+          </a:fillRef>
+          <a:effectRef idx="0">
+            <a:schemeClr val="accent1"/>
+          </a:effectRef>
+          <a:fontRef idx="minor">
+            <a:schemeClr val="lt1"/>
+          </a:fontRef>
+        </p:style>
+        <p:txBody>
+          <a:bodyPr rtlCol="0" anchor="ctr"/>
+          <a:lstStyle/>
+          <a:p>
+            <a:pPr algn="ctr"/>
+            <a:endParaRPr lang="en-GB"/>
+          </a:p>
+        </p:txBody>
+      </p:sp>
+      <p:sp>
+        <p:nvSpPr>
+          <p:cNvPr id="38" name="Rettangolo 37">
+            <a:extLst>
+              <a:ext uri="{FF2B5EF4-FFF2-40B4-BE49-F238E27FC236}">
+                <a16:creationId xmlns:a16="http://schemas.microsoft.com/office/drawing/2014/main" id="{59ADF372-922B-7ACF-C1A2-30AC2CB9ECE5}"/>
+              </a:ext>
+            </a:extLst>
+          </p:cNvPr>
+          <p:cNvSpPr/>
+          <p:nvPr/>
+        </p:nvSpPr>
+        <p:spPr>
+          <a:xfrm>
+            <a:off x="9892519" y="2455517"/>
+            <a:ext cx="288919" cy="251442"/>
+          </a:xfrm>
+          <a:prstGeom prst="rect">
+            <a:avLst/>
+          </a:prstGeom>
+          <a:solidFill>
+            <a:srgbClr val="FFC000"/>
+          </a:solidFill>
+        </p:spPr>
+        <p:style>
+          <a:lnRef idx="2">
+            <a:schemeClr val="accent1">
+              <a:shade val="50000"/>
+            </a:schemeClr>
+          </a:lnRef>
+          <a:fillRef idx="1">
+            <a:schemeClr val="accent1"/>
+          </a:fillRef>
+          <a:effectRef idx="0">
+            <a:schemeClr val="accent1"/>
+          </a:effectRef>
+          <a:fontRef idx="minor">
+            <a:schemeClr val="lt1"/>
+          </a:fontRef>
+        </p:style>
+        <p:txBody>
+          <a:bodyPr rtlCol="0" anchor="ctr"/>
+          <a:lstStyle/>
+          <a:p>
+            <a:pPr algn="ctr"/>
+            <a:endParaRPr lang="en-GB"/>
+          </a:p>
+        </p:txBody>
+      </p:sp>
+      <p:sp>
+        <p:nvSpPr>
+          <p:cNvPr id="30" name="CasellaDiTesto 29">
+            <a:extLst>
+              <a:ext uri="{FF2B5EF4-FFF2-40B4-BE49-F238E27FC236}">
+                <a16:creationId xmlns:a16="http://schemas.microsoft.com/office/drawing/2014/main" id="{894CBEC6-7DDF-FA89-07D3-9865C0BE13D2}"/>
+              </a:ext>
+            </a:extLst>
+          </p:cNvPr>
+          <p:cNvSpPr txBox="1"/>
+          <p:nvPr/>
+        </p:nvSpPr>
+        <p:spPr>
+          <a:xfrm>
+            <a:off x="10242826" y="1498348"/>
+            <a:ext cx="1426994" cy="307777"/>
+          </a:xfrm>
+          <a:prstGeom prst="rect">
+            <a:avLst/>
+          </a:prstGeom>
+          <a:noFill/>
+        </p:spPr>
+        <p:txBody>
+          <a:bodyPr wrap="none" rtlCol="0">
+            <a:spAutoFit/>
+          </a:bodyPr>
+          <a:lstStyle/>
+          <a:p>
+            <a:r>
+              <a:rPr lang="en-GB" sz="1400" dirty="0">
+                <a:solidFill>
+                  <a:schemeClr val="bg1"/>
+                </a:solidFill>
+                <a:latin typeface="Avenir Next" panose="020B0503020202020204" pitchFamily="34" charset="0"/>
+              </a:rPr>
+              <a:t>OSC messages</a:t>
+            </a:r>
+          </a:p>
+        </p:txBody>
+      </p:sp>
+      <p:sp>
+        <p:nvSpPr>
+          <p:cNvPr id="40" name="CasellaDiTesto 39">
+            <a:extLst>
+              <a:ext uri="{FF2B5EF4-FFF2-40B4-BE49-F238E27FC236}">
+                <a16:creationId xmlns:a16="http://schemas.microsoft.com/office/drawing/2014/main" id="{D4EE78CA-18F9-6359-F68E-DBF033F6D1BC}"/>
+              </a:ext>
+            </a:extLst>
+          </p:cNvPr>
+          <p:cNvSpPr txBox="1"/>
+          <p:nvPr/>
+        </p:nvSpPr>
+        <p:spPr>
+          <a:xfrm>
+            <a:off x="10318598" y="2025494"/>
+            <a:ext cx="1210588" cy="307777"/>
+          </a:xfrm>
+          <a:prstGeom prst="rect">
+            <a:avLst/>
+          </a:prstGeom>
+          <a:noFill/>
+        </p:spPr>
+        <p:txBody>
+          <a:bodyPr wrap="none" rtlCol="0">
+            <a:spAutoFit/>
+          </a:bodyPr>
+          <a:lstStyle/>
+          <a:p>
+            <a:r>
+              <a:rPr lang="en-GB" sz="1400" dirty="0">
+                <a:solidFill>
+                  <a:schemeClr val="bg1"/>
+                </a:solidFill>
+                <a:latin typeface="Avenir Next" panose="020B0503020202020204" pitchFamily="34" charset="0"/>
+              </a:rPr>
+              <a:t>Audio signal</a:t>
+            </a:r>
+          </a:p>
+        </p:txBody>
+      </p:sp>
+      <p:sp>
+        <p:nvSpPr>
+          <p:cNvPr id="42" name="CasellaDiTesto 41">
+            <a:extLst>
+              <a:ext uri="{FF2B5EF4-FFF2-40B4-BE49-F238E27FC236}">
+                <a16:creationId xmlns:a16="http://schemas.microsoft.com/office/drawing/2014/main" id="{DB53146B-015C-B0D1-E5B5-9055DB78E3DA}"/>
+              </a:ext>
+            </a:extLst>
+          </p:cNvPr>
+          <p:cNvSpPr txBox="1"/>
+          <p:nvPr/>
+        </p:nvSpPr>
+        <p:spPr>
+          <a:xfrm>
+            <a:off x="10293905" y="2491263"/>
+            <a:ext cx="1192955" cy="307777"/>
+          </a:xfrm>
+          <a:prstGeom prst="rect">
+            <a:avLst/>
+          </a:prstGeom>
+          <a:noFill/>
+        </p:spPr>
+        <p:txBody>
+          <a:bodyPr wrap="none" rtlCol="0">
+            <a:spAutoFit/>
+          </a:bodyPr>
+          <a:lstStyle/>
+          <a:p>
+            <a:r>
+              <a:rPr lang="en-GB" sz="1400" dirty="0">
+                <a:solidFill>
+                  <a:schemeClr val="bg1"/>
+                </a:solidFill>
+                <a:latin typeface="Avenir Next" panose="020B0503020202020204" pitchFamily="34" charset="0"/>
+              </a:rPr>
+              <a:t>Video signal</a:t>
+            </a:r>
+          </a:p>
+        </p:txBody>
+      </p:sp>
     </p:spTree>
     <p:extLst>
       <p:ext uri="{BB962C8B-B14F-4D97-AF65-F5344CB8AC3E}">
